--- a/Images/Figures/Viral growth figures.pptx
+++ b/Images/Figures/Viral growth figures.pptx
@@ -288,7 +288,7 @@
           <a:p>
             <a:fld id="{E9A378D0-941E-AF40-A39C-D1C386913AFC}" type="datetimeFigureOut">
               <a:rPr lang="en-US" smtClean="0"/>
-              <a:t>6/4/20</a:t>
+              <a:t>6/10/20</a:t>
             </a:fld>
             <a:endParaRPr lang="en-US"/>
           </a:p>
@@ -486,7 +486,7 @@
           <a:p>
             <a:fld id="{E9A378D0-941E-AF40-A39C-D1C386913AFC}" type="datetimeFigureOut">
               <a:rPr lang="en-US" smtClean="0"/>
-              <a:t>6/4/20</a:t>
+              <a:t>6/10/20</a:t>
             </a:fld>
             <a:endParaRPr lang="en-US"/>
           </a:p>
@@ -694,7 +694,7 @@
           <a:p>
             <a:fld id="{E9A378D0-941E-AF40-A39C-D1C386913AFC}" type="datetimeFigureOut">
               <a:rPr lang="en-US" smtClean="0"/>
-              <a:t>6/4/20</a:t>
+              <a:t>6/10/20</a:t>
             </a:fld>
             <a:endParaRPr lang="en-US"/>
           </a:p>
@@ -892,7 +892,7 @@
           <a:p>
             <a:fld id="{E9A378D0-941E-AF40-A39C-D1C386913AFC}" type="datetimeFigureOut">
               <a:rPr lang="en-US" smtClean="0"/>
-              <a:t>6/4/20</a:t>
+              <a:t>6/10/20</a:t>
             </a:fld>
             <a:endParaRPr lang="en-US"/>
           </a:p>
@@ -1167,7 +1167,7 @@
           <a:p>
             <a:fld id="{E9A378D0-941E-AF40-A39C-D1C386913AFC}" type="datetimeFigureOut">
               <a:rPr lang="en-US" smtClean="0"/>
-              <a:t>6/4/20</a:t>
+              <a:t>6/10/20</a:t>
             </a:fld>
             <a:endParaRPr lang="en-US"/>
           </a:p>
@@ -1432,7 +1432,7 @@
           <a:p>
             <a:fld id="{E9A378D0-941E-AF40-A39C-D1C386913AFC}" type="datetimeFigureOut">
               <a:rPr lang="en-US" smtClean="0"/>
-              <a:t>6/4/20</a:t>
+              <a:t>6/10/20</a:t>
             </a:fld>
             <a:endParaRPr lang="en-US"/>
           </a:p>
@@ -1844,7 +1844,7 @@
           <a:p>
             <a:fld id="{E9A378D0-941E-AF40-A39C-D1C386913AFC}" type="datetimeFigureOut">
               <a:rPr lang="en-US" smtClean="0"/>
-              <a:t>6/4/20</a:t>
+              <a:t>6/10/20</a:t>
             </a:fld>
             <a:endParaRPr lang="en-US"/>
           </a:p>
@@ -1985,7 +1985,7 @@
           <a:p>
             <a:fld id="{E9A378D0-941E-AF40-A39C-D1C386913AFC}" type="datetimeFigureOut">
               <a:rPr lang="en-US" smtClean="0"/>
-              <a:t>6/4/20</a:t>
+              <a:t>6/10/20</a:t>
             </a:fld>
             <a:endParaRPr lang="en-US"/>
           </a:p>
@@ -2098,7 +2098,7 @@
           <a:p>
             <a:fld id="{E9A378D0-941E-AF40-A39C-D1C386913AFC}" type="datetimeFigureOut">
               <a:rPr lang="en-US" smtClean="0"/>
-              <a:t>6/4/20</a:t>
+              <a:t>6/10/20</a:t>
             </a:fld>
             <a:endParaRPr lang="en-US"/>
           </a:p>
@@ -2409,7 +2409,7 @@
           <a:p>
             <a:fld id="{E9A378D0-941E-AF40-A39C-D1C386913AFC}" type="datetimeFigureOut">
               <a:rPr lang="en-US" smtClean="0"/>
-              <a:t>6/4/20</a:t>
+              <a:t>6/10/20</a:t>
             </a:fld>
             <a:endParaRPr lang="en-US"/>
           </a:p>
@@ -2697,7 +2697,7 @@
           <a:p>
             <a:fld id="{E9A378D0-941E-AF40-A39C-D1C386913AFC}" type="datetimeFigureOut">
               <a:rPr lang="en-US" smtClean="0"/>
-              <a:t>6/4/20</a:t>
+              <a:t>6/10/20</a:t>
             </a:fld>
             <a:endParaRPr lang="en-US"/>
           </a:p>
@@ -2938,7 +2938,7 @@
           <a:p>
             <a:fld id="{E9A378D0-941E-AF40-A39C-D1C386913AFC}" type="datetimeFigureOut">
               <a:rPr lang="en-US" smtClean="0"/>
-              <a:t>6/4/20</a:t>
+              <a:t>6/10/20</a:t>
             </a:fld>
             <a:endParaRPr lang="en-US"/>
           </a:p>
@@ -4510,30 +4510,32 @@
       </p:grpSpPr>
       <p:grpSp>
         <p:nvGrpSpPr>
-          <p:cNvPr id="32" name="Group 31">
-            <a:extLst>
-              <a:ext uri="{FF2B5EF4-FFF2-40B4-BE49-F238E27FC236}">
-                <a16:creationId xmlns:a16="http://schemas.microsoft.com/office/drawing/2014/main" id="{51984BBB-4E91-6944-ADA8-D95233CB3C47}"/>
-              </a:ext>
-            </a:extLst>
-          </p:cNvPr>
-          <p:cNvGrpSpPr/>
+          <p:cNvPr id="65" name="Group 64">
+            <a:extLst>
+              <a:ext uri="{FF2B5EF4-FFF2-40B4-BE49-F238E27FC236}">
+                <a16:creationId xmlns:a16="http://schemas.microsoft.com/office/drawing/2014/main" id="{BA690C47-AC3A-604D-851F-B36AA91E062B}"/>
+              </a:ext>
+            </a:extLst>
+          </p:cNvPr>
+          <p:cNvGrpSpPr>
+            <a:grpSpLocks noChangeAspect="1"/>
+          </p:cNvGrpSpPr>
           <p:nvPr/>
         </p:nvGrpSpPr>
         <p:grpSpPr>
           <a:xfrm>
-            <a:off x="-280925" y="-4731026"/>
-            <a:ext cx="14948452" cy="16320052"/>
+            <a:off x="-13814273" y="-4731026"/>
+            <a:ext cx="20938756" cy="22860000"/>
             <a:chOff x="-9076754" y="-5446644"/>
             <a:chExt cx="14948452" cy="16320052"/>
           </a:xfrm>
         </p:grpSpPr>
         <p:sp>
           <p:nvSpPr>
-            <p:cNvPr id="33" name="Rectangle 32">
+            <p:cNvPr id="66" name="Rectangle 65">
               <a:extLst>
                 <a:ext uri="{FF2B5EF4-FFF2-40B4-BE49-F238E27FC236}">
-                  <a16:creationId xmlns:a16="http://schemas.microsoft.com/office/drawing/2014/main" id="{95CE8016-1C75-BD4C-BE6E-1F58BE59A417}"/>
+                  <a16:creationId xmlns:a16="http://schemas.microsoft.com/office/drawing/2014/main" id="{FDA57AEC-4F97-9D4F-9767-B46216958C49}"/>
                 </a:ext>
               </a:extLst>
             </p:cNvPr>
@@ -4584,10 +4586,10 @@
         </p:sp>
         <p:sp>
           <p:nvSpPr>
-            <p:cNvPr id="34" name="Rectangle 33">
+            <p:cNvPr id="67" name="Rectangle 66">
               <a:extLst>
                 <a:ext uri="{FF2B5EF4-FFF2-40B4-BE49-F238E27FC236}">
-                  <a16:creationId xmlns:a16="http://schemas.microsoft.com/office/drawing/2014/main" id="{5485ADA0-B90B-6849-8DFD-5FF1F129E65D}"/>
+                  <a16:creationId xmlns:a16="http://schemas.microsoft.com/office/drawing/2014/main" id="{CDC8D20B-D74F-284E-A066-AE3C2FF73A94}"/>
                 </a:ext>
               </a:extLst>
             </p:cNvPr>
@@ -4641,10 +4643,10 @@
         </p:sp>
         <p:sp>
           <p:nvSpPr>
-            <p:cNvPr id="35" name="TextBox 34">
+            <p:cNvPr id="68" name="TextBox 67">
               <a:extLst>
                 <a:ext uri="{FF2B5EF4-FFF2-40B4-BE49-F238E27FC236}">
-                  <a16:creationId xmlns:a16="http://schemas.microsoft.com/office/drawing/2014/main" id="{46BCC100-8726-6B4E-8010-2B9A03BB1030}"/>
+                  <a16:creationId xmlns:a16="http://schemas.microsoft.com/office/drawing/2014/main" id="{92556722-0092-9E4F-9893-83F375B8A1B5}"/>
                 </a:ext>
               </a:extLst>
             </p:cNvPr>
@@ -4654,7 +4656,7 @@
           <p:spPr>
             <a:xfrm>
               <a:off x="-8507896" y="-5288985"/>
-              <a:ext cx="3839513" cy="923330"/>
+              <a:ext cx="3610826" cy="856931"/>
             </a:xfrm>
             <a:prstGeom prst="rect">
               <a:avLst/>
@@ -4668,7 +4670,7 @@
             <a:lstStyle/>
             <a:p>
               <a:r>
-                <a:rPr lang="en-US" sz="5400" dirty="0">
+                <a:rPr lang="en-US" sz="7200" dirty="0">
                   <a:latin typeface="Arial" panose="020B0604020202020204" pitchFamily="34" charset="0"/>
                   <a:cs typeface="Arial" panose="020B0604020202020204" pitchFamily="34" charset="0"/>
                 </a:rPr>
@@ -4679,10 +4681,10 @@
         </p:sp>
         <p:sp>
           <p:nvSpPr>
-            <p:cNvPr id="36" name="TextBox 35">
+            <p:cNvPr id="69" name="TextBox 68">
               <a:extLst>
                 <a:ext uri="{FF2B5EF4-FFF2-40B4-BE49-F238E27FC236}">
-                  <a16:creationId xmlns:a16="http://schemas.microsoft.com/office/drawing/2014/main" id="{77F2A5F5-E19D-6340-814A-F3EE28E33C35}"/>
+                  <a16:creationId xmlns:a16="http://schemas.microsoft.com/office/drawing/2014/main" id="{DC98F097-6100-A845-8772-7B6923BFC54E}"/>
                 </a:ext>
               </a:extLst>
             </p:cNvPr>
@@ -4692,7 +4694,7 @@
           <p:spPr>
             <a:xfrm>
               <a:off x="-6716107" y="-4353963"/>
-              <a:ext cx="2914580" cy="769441"/>
+              <a:ext cx="2789144" cy="725095"/>
             </a:xfrm>
             <a:prstGeom prst="rect">
               <a:avLst/>
@@ -4706,7 +4708,7 @@
             <a:lstStyle/>
             <a:p>
               <a:r>
-                <a:rPr lang="en-US" sz="4400" i="1" dirty="0">
+                <a:rPr lang="en-US" sz="6000" i="1" dirty="0">
                   <a:latin typeface="Arial" panose="020B0604020202020204" pitchFamily="34" charset="0"/>
                   <a:cs typeface="Arial" panose="020B0604020202020204" pitchFamily="34" charset="0"/>
                 </a:rPr>
@@ -4717,10 +4719,10 @@
         </p:sp>
         <p:cxnSp>
           <p:nvCxnSpPr>
-            <p:cNvPr id="37" name="Straight Arrow Connector 36">
+            <p:cNvPr id="70" name="Straight Arrow Connector 69">
               <a:extLst>
                 <a:ext uri="{FF2B5EF4-FFF2-40B4-BE49-F238E27FC236}">
-                  <a16:creationId xmlns:a16="http://schemas.microsoft.com/office/drawing/2014/main" id="{11BCE241-54F9-D64B-B8AC-F861C2058626}"/>
+                  <a16:creationId xmlns:a16="http://schemas.microsoft.com/office/drawing/2014/main" id="{4A111F4B-0D33-2D4E-AF9F-170BE718098C}"/>
                 </a:ext>
               </a:extLst>
             </p:cNvPr>
@@ -4760,10 +4762,10 @@
         </p:cxnSp>
         <p:sp>
           <p:nvSpPr>
-            <p:cNvPr id="38" name="TextBox 37">
+            <p:cNvPr id="71" name="TextBox 70">
               <a:extLst>
                 <a:ext uri="{FF2B5EF4-FFF2-40B4-BE49-F238E27FC236}">
-                  <a16:creationId xmlns:a16="http://schemas.microsoft.com/office/drawing/2014/main" id="{F3700CFA-A411-1746-B21C-D4E10A24790D}"/>
+                  <a16:creationId xmlns:a16="http://schemas.microsoft.com/office/drawing/2014/main" id="{F333C9A7-E286-4642-B6E0-9E597E60DA37}"/>
                 </a:ext>
               </a:extLst>
             </p:cNvPr>
@@ -4773,7 +4775,7 @@
           <p:spPr>
             <a:xfrm>
               <a:off x="-8296027" y="-3113014"/>
-              <a:ext cx="3839513" cy="2585323"/>
+              <a:ext cx="3610826" cy="2438955"/>
             </a:xfrm>
             <a:prstGeom prst="rect">
               <a:avLst/>
@@ -4787,33 +4789,33 @@
             <a:lstStyle/>
             <a:p>
               <a:r>
-                <a:rPr lang="en-US" sz="5400" dirty="0">
+                <a:rPr lang="en-US" sz="7200" dirty="0">
                   <a:latin typeface="Arial" panose="020B0604020202020204" pitchFamily="34" charset="0"/>
                   <a:cs typeface="Arial" panose="020B0604020202020204" pitchFamily="34" charset="0"/>
                 </a:rPr>
                 <a:t>Cumulative </a:t>
               </a:r>
               <a:br>
-                <a:rPr lang="en-US" sz="5400" dirty="0">
+                <a:rPr lang="en-US" sz="7200" dirty="0">
                   <a:latin typeface="Arial" panose="020B0604020202020204" pitchFamily="34" charset="0"/>
                   <a:cs typeface="Arial" panose="020B0604020202020204" pitchFamily="34" charset="0"/>
                 </a:rPr>
               </a:br>
               <a:r>
-                <a:rPr lang="en-US" sz="5400" dirty="0">
+                <a:rPr lang="en-US" sz="7200" dirty="0">
                   <a:latin typeface="Arial" panose="020B0604020202020204" pitchFamily="34" charset="0"/>
                   <a:cs typeface="Arial" panose="020B0604020202020204" pitchFamily="34" charset="0"/>
                 </a:rPr>
                 <a:t>registered </a:t>
               </a:r>
               <a:br>
-                <a:rPr lang="en-US" sz="5400" dirty="0">
+                <a:rPr lang="en-US" sz="7200" dirty="0">
                   <a:latin typeface="Arial" panose="020B0604020202020204" pitchFamily="34" charset="0"/>
                   <a:cs typeface="Arial" panose="020B0604020202020204" pitchFamily="34" charset="0"/>
                 </a:rPr>
               </a:br>
               <a:r>
-                <a:rPr lang="en-US" sz="5400" dirty="0">
+                <a:rPr lang="en-US" sz="7200" dirty="0">
                   <a:latin typeface="Arial" panose="020B0604020202020204" pitchFamily="34" charset="0"/>
                   <a:cs typeface="Arial" panose="020B0604020202020204" pitchFamily="34" charset="0"/>
                 </a:rPr>
@@ -4824,10 +4826,10 @@
         </p:sp>
         <p:sp>
           <p:nvSpPr>
-            <p:cNvPr id="39" name="Rectangle 38">
+            <p:cNvPr id="72" name="Rectangle 71">
               <a:extLst>
                 <a:ext uri="{FF2B5EF4-FFF2-40B4-BE49-F238E27FC236}">
-                  <a16:creationId xmlns:a16="http://schemas.microsoft.com/office/drawing/2014/main" id="{FB9EF963-4E47-604B-91E8-61C7E3A4442F}"/>
+                  <a16:creationId xmlns:a16="http://schemas.microsoft.com/office/drawing/2014/main" id="{CDAB975F-28AE-C947-AB76-988B642DB1DC}"/>
                 </a:ext>
               </a:extLst>
             </p:cNvPr>
@@ -4881,10 +4883,10 @@
         </p:sp>
         <p:sp>
           <p:nvSpPr>
-            <p:cNvPr id="40" name="TextBox 39">
+            <p:cNvPr id="73" name="TextBox 72">
               <a:extLst>
                 <a:ext uri="{FF2B5EF4-FFF2-40B4-BE49-F238E27FC236}">
-                  <a16:creationId xmlns:a16="http://schemas.microsoft.com/office/drawing/2014/main" id="{83853C6F-28A5-0045-9FDB-F3BFEC468C67}"/>
+                  <a16:creationId xmlns:a16="http://schemas.microsoft.com/office/drawing/2014/main" id="{DD221116-9237-5C4C-ACE7-0712CCE0BC1A}"/>
                 </a:ext>
               </a:extLst>
             </p:cNvPr>
@@ -4894,7 +4896,7 @@
           <p:spPr>
             <a:xfrm>
               <a:off x="-6911068" y="3044277"/>
-              <a:ext cx="3454792" cy="923330"/>
+              <a:ext cx="3244616" cy="856931"/>
             </a:xfrm>
             <a:prstGeom prst="rect">
               <a:avLst/>
@@ -4908,7 +4910,7 @@
             <a:lstStyle/>
             <a:p>
               <a:r>
-                <a:rPr lang="en-US" sz="5400" dirty="0">
+                <a:rPr lang="en-US" sz="7200" dirty="0">
                   <a:latin typeface="Arial" panose="020B0604020202020204" pitchFamily="34" charset="0"/>
                   <a:cs typeface="Arial" panose="020B0604020202020204" pitchFamily="34" charset="0"/>
                 </a:rPr>
@@ -4919,10 +4921,10 @@
         </p:sp>
         <p:sp>
           <p:nvSpPr>
-            <p:cNvPr id="41" name="Rectangle 40">
+            <p:cNvPr id="74" name="Rectangle 73">
               <a:extLst>
                 <a:ext uri="{FF2B5EF4-FFF2-40B4-BE49-F238E27FC236}">
-                  <a16:creationId xmlns:a16="http://schemas.microsoft.com/office/drawing/2014/main" id="{C5F5291E-FBAE-D842-96E4-D1A1EBB54155}"/>
+                  <a16:creationId xmlns:a16="http://schemas.microsoft.com/office/drawing/2014/main" id="{C888793A-66FF-0546-8F4D-FE920515874C}"/>
                 </a:ext>
               </a:extLst>
             </p:cNvPr>
@@ -4976,10 +4978,10 @@
         </p:sp>
         <p:sp>
           <p:nvSpPr>
-            <p:cNvPr id="42" name="Rectangle 41">
+            <p:cNvPr id="75" name="Rectangle 74">
               <a:extLst>
                 <a:ext uri="{FF2B5EF4-FFF2-40B4-BE49-F238E27FC236}">
-                  <a16:creationId xmlns:a16="http://schemas.microsoft.com/office/drawing/2014/main" id="{5F091C54-FE0B-C247-97B4-F7408FB148E0}"/>
+                  <a16:creationId xmlns:a16="http://schemas.microsoft.com/office/drawing/2014/main" id="{82A55EBD-AE0F-E646-8E2F-1326D89E6CF0}"/>
                 </a:ext>
               </a:extLst>
             </p:cNvPr>
@@ -5030,10 +5032,10 @@
         </p:sp>
         <p:sp>
           <p:nvSpPr>
-            <p:cNvPr id="43" name="TextBox 42">
+            <p:cNvPr id="76" name="TextBox 75">
               <a:extLst>
                 <a:ext uri="{FF2B5EF4-FFF2-40B4-BE49-F238E27FC236}">
-                  <a16:creationId xmlns:a16="http://schemas.microsoft.com/office/drawing/2014/main" id="{7C503A5A-12B2-C649-8DA1-8707093FDC61}"/>
+                  <a16:creationId xmlns:a16="http://schemas.microsoft.com/office/drawing/2014/main" id="{214E5AB6-704A-D940-9082-7F66C9A69104}"/>
                 </a:ext>
               </a:extLst>
             </p:cNvPr>
@@ -5043,7 +5045,7 @@
           <p:spPr>
             <a:xfrm>
               <a:off x="-71276" y="-384721"/>
-              <a:ext cx="3954929" cy="923330"/>
+              <a:ext cx="3720689" cy="856931"/>
             </a:xfrm>
             <a:prstGeom prst="rect">
               <a:avLst/>
@@ -5057,7 +5059,7 @@
             <a:lstStyle/>
             <a:p>
               <a:r>
-                <a:rPr lang="en-US" sz="5400" dirty="0">
+                <a:rPr lang="en-US" sz="7200" dirty="0">
                   <a:latin typeface="Arial" panose="020B0604020202020204" pitchFamily="34" charset="0"/>
                   <a:cs typeface="Arial" panose="020B0604020202020204" pitchFamily="34" charset="0"/>
                 </a:rPr>
@@ -5068,10 +5070,10 @@
         </p:sp>
         <p:sp>
           <p:nvSpPr>
-            <p:cNvPr id="44" name="TextBox 43">
+            <p:cNvPr id="77" name="TextBox 76">
               <a:extLst>
                 <a:ext uri="{FF2B5EF4-FFF2-40B4-BE49-F238E27FC236}">
-                  <a16:creationId xmlns:a16="http://schemas.microsoft.com/office/drawing/2014/main" id="{AE140EAF-ECEE-1248-9117-57934D52CA63}"/>
+                  <a16:creationId xmlns:a16="http://schemas.microsoft.com/office/drawing/2014/main" id="{602D42C0-ED45-994B-9D4A-0C8A397D49D7}"/>
                 </a:ext>
               </a:extLst>
             </p:cNvPr>
@@ -5081,7 +5083,7 @@
           <p:spPr>
             <a:xfrm>
               <a:off x="217264" y="6247583"/>
-              <a:ext cx="3377848" cy="923330"/>
+              <a:ext cx="3171375" cy="856931"/>
             </a:xfrm>
             <a:prstGeom prst="rect">
               <a:avLst/>
@@ -5095,7 +5097,7 @@
             <a:lstStyle/>
             <a:p>
               <a:r>
-                <a:rPr lang="en-US" sz="5400" dirty="0">
+                <a:rPr lang="en-US" sz="7200" dirty="0">
                   <a:latin typeface="Arial" panose="020B0604020202020204" pitchFamily="34" charset="0"/>
                   <a:cs typeface="Arial" panose="020B0604020202020204" pitchFamily="34" charset="0"/>
                 </a:rPr>
@@ -5106,10 +5108,10 @@
         </p:sp>
         <p:sp>
           <p:nvSpPr>
-            <p:cNvPr id="45" name="TextBox 44">
+            <p:cNvPr id="78" name="TextBox 77">
               <a:extLst>
                 <a:ext uri="{FF2B5EF4-FFF2-40B4-BE49-F238E27FC236}">
-                  <a16:creationId xmlns:a16="http://schemas.microsoft.com/office/drawing/2014/main" id="{30C389FC-353A-5D44-9D7F-4AD3AABCEC62}"/>
+                  <a16:creationId xmlns:a16="http://schemas.microsoft.com/office/drawing/2014/main" id="{85C1B539-7DE9-0F4C-A4FD-2505A0642A35}"/>
                 </a:ext>
               </a:extLst>
             </p:cNvPr>
@@ -5119,7 +5121,7 @@
           <p:spPr>
             <a:xfrm>
               <a:off x="-3626043" y="-1177724"/>
-              <a:ext cx="2382383" cy="769441"/>
+              <a:ext cx="2269583" cy="725095"/>
             </a:xfrm>
             <a:prstGeom prst="rect">
               <a:avLst/>
@@ -5133,7 +5135,7 @@
             <a:lstStyle/>
             <a:p>
               <a:r>
-                <a:rPr lang="en-US" sz="4400" i="1" dirty="0">
+                <a:rPr lang="en-US" sz="6000" i="1" dirty="0">
                   <a:latin typeface="Arial" panose="020B0604020202020204" pitchFamily="34" charset="0"/>
                   <a:cs typeface="Arial" panose="020B0604020202020204" pitchFamily="34" charset="0"/>
                 </a:rPr>
@@ -5144,10 +5146,10 @@
         </p:sp>
         <p:cxnSp>
           <p:nvCxnSpPr>
-            <p:cNvPr id="46" name="Straight Arrow Connector 45">
+            <p:cNvPr id="79" name="Straight Arrow Connector 78">
               <a:extLst>
                 <a:ext uri="{FF2B5EF4-FFF2-40B4-BE49-F238E27FC236}">
-                  <a16:creationId xmlns:a16="http://schemas.microsoft.com/office/drawing/2014/main" id="{9AB8571F-AE50-1D41-87F2-D7D874A2D01E}"/>
+                  <a16:creationId xmlns:a16="http://schemas.microsoft.com/office/drawing/2014/main" id="{FBD7FF0D-7226-1A45-8DFC-E83B693C67A2}"/>
                 </a:ext>
               </a:extLst>
             </p:cNvPr>
@@ -5189,10 +5191,10 @@
         </p:cxnSp>
         <p:sp>
           <p:nvSpPr>
-            <p:cNvPr id="47" name="TextBox 46">
+            <p:cNvPr id="80" name="TextBox 79">
               <a:extLst>
                 <a:ext uri="{FF2B5EF4-FFF2-40B4-BE49-F238E27FC236}">
-                  <a16:creationId xmlns:a16="http://schemas.microsoft.com/office/drawing/2014/main" id="{5EF07C84-11B9-D544-92CD-5314CDA9F0B3}"/>
+                  <a16:creationId xmlns:a16="http://schemas.microsoft.com/office/drawing/2014/main" id="{73BDB7AF-51DF-F34E-BC5B-8C55B0D43693}"/>
                 </a:ext>
               </a:extLst>
             </p:cNvPr>
@@ -5202,7 +5204,7 @@
           <p:spPr>
             <a:xfrm>
               <a:off x="-3326281" y="7017024"/>
-              <a:ext cx="1782860" cy="1446550"/>
+              <a:ext cx="1689370" cy="1384272"/>
             </a:xfrm>
             <a:prstGeom prst="rect">
               <a:avLst/>
@@ -5216,20 +5218,20 @@
             <a:lstStyle/>
             <a:p>
               <a:r>
-                <a:rPr lang="en-US" sz="4400" i="1" dirty="0">
+                <a:rPr lang="en-US" sz="6000" i="1" dirty="0">
                   <a:latin typeface="Arial" panose="020B0604020202020204" pitchFamily="34" charset="0"/>
                   <a:cs typeface="Arial" panose="020B0604020202020204" pitchFamily="34" charset="0"/>
                 </a:rPr>
                 <a:t>churn </a:t>
               </a:r>
               <a:br>
-                <a:rPr lang="en-US" sz="4400" i="1" dirty="0">
+                <a:rPr lang="en-US" sz="6000" i="1" dirty="0">
                   <a:latin typeface="Arial" panose="020B0604020202020204" pitchFamily="34" charset="0"/>
                   <a:cs typeface="Arial" panose="020B0604020202020204" pitchFamily="34" charset="0"/>
                 </a:rPr>
               </a:br>
               <a:r>
-                <a:rPr lang="en-US" sz="4400" i="1" dirty="0">
+                <a:rPr lang="en-US" sz="6000" i="1" dirty="0">
                   <a:latin typeface="Arial" panose="020B0604020202020204" pitchFamily="34" charset="0"/>
                   <a:cs typeface="Arial" panose="020B0604020202020204" pitchFamily="34" charset="0"/>
                 </a:rPr>
@@ -5240,10 +5242,10 @@
         </p:sp>
         <p:cxnSp>
           <p:nvCxnSpPr>
-            <p:cNvPr id="48" name="Straight Arrow Connector 47">
+            <p:cNvPr id="81" name="Straight Arrow Connector 80">
               <a:extLst>
                 <a:ext uri="{FF2B5EF4-FFF2-40B4-BE49-F238E27FC236}">
-                  <a16:creationId xmlns:a16="http://schemas.microsoft.com/office/drawing/2014/main" id="{0C18F7A8-6385-E348-9F71-59045F99327A}"/>
+                  <a16:creationId xmlns:a16="http://schemas.microsoft.com/office/drawing/2014/main" id="{680DE56A-DF1D-E94E-98FC-72AE4BE04455}"/>
                 </a:ext>
               </a:extLst>
             </p:cNvPr>
@@ -5285,10 +5287,10 @@
         </p:cxnSp>
         <p:sp>
           <p:nvSpPr>
-            <p:cNvPr id="49" name="TextBox 48">
+            <p:cNvPr id="82" name="TextBox 81">
               <a:extLst>
                 <a:ext uri="{FF2B5EF4-FFF2-40B4-BE49-F238E27FC236}">
-                  <a16:creationId xmlns:a16="http://schemas.microsoft.com/office/drawing/2014/main" id="{8B88AA71-9067-5648-83D0-C20245B4C6D7}"/>
+                  <a16:creationId xmlns:a16="http://schemas.microsoft.com/office/drawing/2014/main" id="{FEA39EE1-D179-354A-BDFF-92B9CA3E8079}"/>
                 </a:ext>
               </a:extLst>
             </p:cNvPr>
@@ -5298,7 +5300,7 @@
           <p:spPr>
             <a:xfrm>
               <a:off x="1952529" y="2940284"/>
-              <a:ext cx="3164649" cy="769441"/>
+              <a:ext cx="3032902" cy="725095"/>
             </a:xfrm>
             <a:prstGeom prst="rect">
               <a:avLst/>
@@ -5312,7 +5314,7 @@
             <a:lstStyle/>
             <a:p>
               <a:r>
-                <a:rPr lang="en-US" sz="4400" i="1" dirty="0">
+                <a:rPr lang="en-US" sz="6000" i="1" dirty="0">
                   <a:latin typeface="Arial" panose="020B0604020202020204" pitchFamily="34" charset="0"/>
                   <a:cs typeface="Arial" panose="020B0604020202020204" pitchFamily="34" charset="0"/>
                 </a:rPr>
@@ -5323,10 +5325,10 @@
         </p:sp>
         <p:cxnSp>
           <p:nvCxnSpPr>
-            <p:cNvPr id="50" name="Straight Arrow Connector 49">
+            <p:cNvPr id="83" name="Straight Arrow Connector 82">
               <a:extLst>
                 <a:ext uri="{FF2B5EF4-FFF2-40B4-BE49-F238E27FC236}">
-                  <a16:creationId xmlns:a16="http://schemas.microsoft.com/office/drawing/2014/main" id="{0C2BAD15-C794-5D4E-85B3-07D21458492C}"/>
+                  <a16:creationId xmlns:a16="http://schemas.microsoft.com/office/drawing/2014/main" id="{895FEF85-8A63-EF41-9A5B-0840A4FEB1DD}"/>
                 </a:ext>
               </a:extLst>
             </p:cNvPr>
@@ -5368,10 +5370,10 @@
         </p:cxnSp>
         <p:cxnSp>
           <p:nvCxnSpPr>
-            <p:cNvPr id="51" name="Straight Arrow Connector 50">
+            <p:cNvPr id="84" name="Straight Arrow Connector 83">
               <a:extLst>
                 <a:ext uri="{FF2B5EF4-FFF2-40B4-BE49-F238E27FC236}">
-                  <a16:creationId xmlns:a16="http://schemas.microsoft.com/office/drawing/2014/main" id="{0988C0D0-CA2B-E84E-8C39-B65D3898D861}"/>
+                  <a16:creationId xmlns:a16="http://schemas.microsoft.com/office/drawing/2014/main" id="{EE25CBCE-9679-1F45-84AA-B7EF14B0C956}"/>
                 </a:ext>
               </a:extLst>
             </p:cNvPr>
@@ -5413,10 +5415,10 @@
         </p:cxnSp>
         <p:sp>
           <p:nvSpPr>
-            <p:cNvPr id="52" name="TextBox 51">
+            <p:cNvPr id="85" name="TextBox 84">
               <a:extLst>
                 <a:ext uri="{FF2B5EF4-FFF2-40B4-BE49-F238E27FC236}">
-                  <a16:creationId xmlns:a16="http://schemas.microsoft.com/office/drawing/2014/main" id="{6BFF1E9A-7236-344D-9CED-B7C374F369B7}"/>
+                  <a16:creationId xmlns:a16="http://schemas.microsoft.com/office/drawing/2014/main" id="{A76F5BDB-D481-EC4D-97F5-F8540CEAD965}"/>
                 </a:ext>
               </a:extLst>
             </p:cNvPr>
@@ -5426,7 +5428,7 @@
           <p:spPr>
             <a:xfrm>
               <a:off x="-2076199" y="2940283"/>
-              <a:ext cx="3039615" cy="769441"/>
+              <a:ext cx="2910450" cy="725095"/>
             </a:xfrm>
             <a:prstGeom prst="rect">
               <a:avLst/>
@@ -5440,7 +5442,7 @@
             <a:lstStyle/>
             <a:p>
               <a:r>
-                <a:rPr lang="en-US" sz="4400" i="1" dirty="0">
+                <a:rPr lang="en-US" sz="6000" i="1" dirty="0">
                   <a:latin typeface="Arial" panose="020B0604020202020204" pitchFamily="34" charset="0"/>
                   <a:cs typeface="Arial" panose="020B0604020202020204" pitchFamily="34" charset="0"/>
                 </a:rPr>
@@ -5449,6 +5451,992 @@
             </a:p>
           </p:txBody>
         </p:sp>
+      </p:grpSp>
+      <p:grpSp>
+        <p:nvGrpSpPr>
+          <p:cNvPr id="4" name="Group 3">
+            <a:extLst>
+              <a:ext uri="{FF2B5EF4-FFF2-40B4-BE49-F238E27FC236}">
+                <a16:creationId xmlns:a16="http://schemas.microsoft.com/office/drawing/2014/main" id="{1B024C6B-7CC1-2E41-BC21-9557E44ADF4D}"/>
+              </a:ext>
+            </a:extLst>
+          </p:cNvPr>
+          <p:cNvGrpSpPr/>
+          <p:nvPr/>
+        </p:nvGrpSpPr>
+        <p:grpSpPr>
+          <a:xfrm>
+            <a:off x="8120972" y="-4731026"/>
+            <a:ext cx="20938756" cy="22860000"/>
+            <a:chOff x="8120972" y="-4731026"/>
+            <a:chExt cx="20938756" cy="22860000"/>
+          </a:xfrm>
+        </p:grpSpPr>
+        <p:sp>
+          <p:nvSpPr>
+            <p:cNvPr id="24" name="Rectangle 23">
+              <a:extLst>
+                <a:ext uri="{FF2B5EF4-FFF2-40B4-BE49-F238E27FC236}">
+                  <a16:creationId xmlns:a16="http://schemas.microsoft.com/office/drawing/2014/main" id="{6716E3C8-6537-3A40-A03A-C8B83F8005F3}"/>
+                </a:ext>
+              </a:extLst>
+            </p:cNvPr>
+            <p:cNvSpPr/>
+            <p:nvPr/>
+          </p:nvSpPr>
+          <p:spPr>
+            <a:xfrm>
+              <a:off x="8120972" y="-4731026"/>
+              <a:ext cx="20938756" cy="22860000"/>
+            </a:xfrm>
+            <a:prstGeom prst="rect">
+              <a:avLst/>
+            </a:prstGeom>
+            <a:solidFill>
+              <a:schemeClr val="bg1"/>
+            </a:solidFill>
+            <a:ln>
+              <a:solidFill>
+                <a:schemeClr val="bg1"/>
+              </a:solidFill>
+            </a:ln>
+          </p:spPr>
+          <p:style>
+            <a:lnRef idx="2">
+              <a:schemeClr val="accent1">
+                <a:shade val="50000"/>
+              </a:schemeClr>
+            </a:lnRef>
+            <a:fillRef idx="1">
+              <a:schemeClr val="accent1"/>
+            </a:fillRef>
+            <a:effectRef idx="0">
+              <a:schemeClr val="accent1"/>
+            </a:effectRef>
+            <a:fontRef idx="minor">
+              <a:schemeClr val="lt1"/>
+            </a:fontRef>
+          </p:style>
+          <p:txBody>
+            <a:bodyPr rtlCol="0" anchor="ctr"/>
+            <a:lstStyle/>
+            <a:p>
+              <a:pPr algn="ctr"/>
+              <a:endParaRPr lang="en-US"/>
+            </a:p>
+          </p:txBody>
+        </p:sp>
+        <p:sp>
+          <p:nvSpPr>
+            <p:cNvPr id="25" name="Rectangle 24">
+              <a:extLst>
+                <a:ext uri="{FF2B5EF4-FFF2-40B4-BE49-F238E27FC236}">
+                  <a16:creationId xmlns:a16="http://schemas.microsoft.com/office/drawing/2014/main" id="{56C6EA8C-37C7-D947-B3B4-EBF64837117F}"/>
+                </a:ext>
+              </a:extLst>
+            </p:cNvPr>
+            <p:cNvSpPr/>
+            <p:nvPr/>
+          </p:nvSpPr>
+          <p:spPr>
+            <a:xfrm>
+              <a:off x="8917789" y="-1821317"/>
+              <a:ext cx="19351643" cy="18697308"/>
+            </a:xfrm>
+            <a:prstGeom prst="rect">
+              <a:avLst/>
+            </a:prstGeom>
+            <a:solidFill>
+              <a:schemeClr val="accent4">
+                <a:lumMod val="20000"/>
+                <a:lumOff val="80000"/>
+              </a:schemeClr>
+            </a:solidFill>
+            <a:ln w="76200">
+              <a:solidFill>
+                <a:schemeClr val="tx1"/>
+              </a:solidFill>
+            </a:ln>
+          </p:spPr>
+          <p:style>
+            <a:lnRef idx="2">
+              <a:schemeClr val="accent1">
+                <a:shade val="50000"/>
+              </a:schemeClr>
+            </a:lnRef>
+            <a:fillRef idx="1">
+              <a:schemeClr val="accent1"/>
+            </a:fillRef>
+            <a:effectRef idx="0">
+              <a:schemeClr val="accent1"/>
+            </a:effectRef>
+            <a:fontRef idx="minor">
+              <a:schemeClr val="lt1"/>
+            </a:fontRef>
+          </p:style>
+          <p:txBody>
+            <a:bodyPr rtlCol="0" anchor="ctr"/>
+            <a:lstStyle/>
+            <a:p>
+              <a:pPr algn="ctr"/>
+              <a:endParaRPr lang="en-US" dirty="0"/>
+            </a:p>
+          </p:txBody>
+        </p:sp>
+        <p:sp>
+          <p:nvSpPr>
+            <p:cNvPr id="26" name="TextBox 25">
+              <a:extLst>
+                <a:ext uri="{FF2B5EF4-FFF2-40B4-BE49-F238E27FC236}">
+                  <a16:creationId xmlns:a16="http://schemas.microsoft.com/office/drawing/2014/main" id="{ABE9593C-1A22-5746-84AF-B15EF1CB4CCA}"/>
+                </a:ext>
+              </a:extLst>
+            </p:cNvPr>
+            <p:cNvSpPr txBox="1"/>
+            <p:nvPr/>
+          </p:nvSpPr>
+          <p:spPr>
+            <a:xfrm>
+              <a:off x="8917789" y="-3824390"/>
+              <a:ext cx="5057795" cy="1200330"/>
+            </a:xfrm>
+            <a:prstGeom prst="rect">
+              <a:avLst/>
+            </a:prstGeom>
+            <a:noFill/>
+          </p:spPr>
+          <p:txBody>
+            <a:bodyPr wrap="none" rtlCol="0">
+              <a:spAutoFit/>
+            </a:bodyPr>
+            <a:lstStyle/>
+            <a:p>
+              <a:r>
+                <a:rPr lang="en-US" sz="7200" dirty="0">
+                  <a:latin typeface="Arial" panose="020B0604020202020204" pitchFamily="34" charset="0"/>
+                  <a:cs typeface="Arial" panose="020B0604020202020204" pitchFamily="34" charset="0"/>
+                </a:rPr>
+                <a:t>(Non-users)</a:t>
+              </a:r>
+            </a:p>
+          </p:txBody>
+        </p:sp>
+        <p:sp>
+          <p:nvSpPr>
+            <p:cNvPr id="27" name="TextBox 26">
+              <a:extLst>
+                <a:ext uri="{FF2B5EF4-FFF2-40B4-BE49-F238E27FC236}">
+                  <a16:creationId xmlns:a16="http://schemas.microsoft.com/office/drawing/2014/main" id="{1871FD2B-1466-554B-89CF-3F35D83D6C9E}"/>
+                </a:ext>
+              </a:extLst>
+            </p:cNvPr>
+            <p:cNvSpPr txBox="1"/>
+            <p:nvPr/>
+          </p:nvSpPr>
+          <p:spPr>
+            <a:xfrm>
+              <a:off x="10893259" y="-166553"/>
+              <a:ext cx="3906840" cy="1015663"/>
+            </a:xfrm>
+            <a:prstGeom prst="rect">
+              <a:avLst/>
+            </a:prstGeom>
+            <a:noFill/>
+          </p:spPr>
+          <p:txBody>
+            <a:bodyPr wrap="none" rtlCol="0">
+              <a:spAutoFit/>
+            </a:bodyPr>
+            <a:lstStyle/>
+            <a:p>
+              <a:r>
+                <a:rPr lang="en-US" sz="6000" i="1" dirty="0">
+                  <a:latin typeface="Arial" panose="020B0604020202020204" pitchFamily="34" charset="0"/>
+                  <a:cs typeface="Arial" panose="020B0604020202020204" pitchFamily="34" charset="0"/>
+                </a:rPr>
+                <a:t>conversion</a:t>
+              </a:r>
+            </a:p>
+          </p:txBody>
+        </p:sp>
+        <p:sp>
+          <p:nvSpPr>
+            <p:cNvPr id="29" name="TextBox 28">
+              <a:extLst>
+                <a:ext uri="{FF2B5EF4-FFF2-40B4-BE49-F238E27FC236}">
+                  <a16:creationId xmlns:a16="http://schemas.microsoft.com/office/drawing/2014/main" id="{DC9C52E7-39C6-A24B-9128-FEAE3D0B29E9}"/>
+                </a:ext>
+              </a:extLst>
+            </p:cNvPr>
+            <p:cNvSpPr txBox="1"/>
+            <p:nvPr/>
+          </p:nvSpPr>
+          <p:spPr>
+            <a:xfrm>
+              <a:off x="9214560" y="14147883"/>
+              <a:ext cx="7890218" cy="2308325"/>
+            </a:xfrm>
+            <a:prstGeom prst="rect">
+              <a:avLst/>
+            </a:prstGeom>
+            <a:noFill/>
+          </p:spPr>
+          <p:txBody>
+            <a:bodyPr wrap="square" rtlCol="0">
+              <a:spAutoFit/>
+            </a:bodyPr>
+            <a:lstStyle/>
+            <a:p>
+              <a:r>
+                <a:rPr lang="en-US" sz="7200" dirty="0">
+                  <a:latin typeface="Arial" panose="020B0604020202020204" pitchFamily="34" charset="0"/>
+                  <a:cs typeface="Arial" panose="020B0604020202020204" pitchFamily="34" charset="0"/>
+                </a:rPr>
+                <a:t>Cumulative </a:t>
+              </a:r>
+              <a:br>
+                <a:rPr lang="en-US" sz="7200" dirty="0">
+                  <a:latin typeface="Arial" panose="020B0604020202020204" pitchFamily="34" charset="0"/>
+                  <a:cs typeface="Arial" panose="020B0604020202020204" pitchFamily="34" charset="0"/>
+                </a:rPr>
+              </a:br>
+              <a:r>
+                <a:rPr lang="en-US" sz="7200" dirty="0">
+                  <a:latin typeface="Arial" panose="020B0604020202020204" pitchFamily="34" charset="0"/>
+                  <a:cs typeface="Arial" panose="020B0604020202020204" pitchFamily="34" charset="0"/>
+                </a:rPr>
+                <a:t>registered users</a:t>
+              </a:r>
+            </a:p>
+          </p:txBody>
+        </p:sp>
+        <p:sp>
+          <p:nvSpPr>
+            <p:cNvPr id="30" name="Rectangle 29">
+              <a:extLst>
+                <a:ext uri="{FF2B5EF4-FFF2-40B4-BE49-F238E27FC236}">
+                  <a16:creationId xmlns:a16="http://schemas.microsoft.com/office/drawing/2014/main" id="{AF033BD2-16F6-7A4A-91F7-ACC70E112492}"/>
+                </a:ext>
+              </a:extLst>
+            </p:cNvPr>
+            <p:cNvSpPr/>
+            <p:nvPr/>
+          </p:nvSpPr>
+          <p:spPr>
+            <a:xfrm>
+              <a:off x="10060960" y="4170960"/>
+              <a:ext cx="7043818" cy="7060796"/>
+            </a:xfrm>
+            <a:prstGeom prst="rect">
+              <a:avLst/>
+            </a:prstGeom>
+            <a:solidFill>
+              <a:schemeClr val="accent1">
+                <a:lumMod val="20000"/>
+                <a:lumOff val="80000"/>
+              </a:schemeClr>
+            </a:solidFill>
+            <a:ln w="76200">
+              <a:solidFill>
+                <a:schemeClr val="tx1"/>
+              </a:solidFill>
+            </a:ln>
+          </p:spPr>
+          <p:style>
+            <a:lnRef idx="2">
+              <a:schemeClr val="accent1">
+                <a:shade val="50000"/>
+              </a:schemeClr>
+            </a:lnRef>
+            <a:fillRef idx="1">
+              <a:schemeClr val="accent1"/>
+            </a:fillRef>
+            <a:effectRef idx="0">
+              <a:schemeClr val="accent1"/>
+            </a:effectRef>
+            <a:fontRef idx="minor">
+              <a:schemeClr val="lt1"/>
+            </a:fontRef>
+          </p:style>
+          <p:txBody>
+            <a:bodyPr rtlCol="0" anchor="ctr"/>
+            <a:lstStyle/>
+            <a:p>
+              <a:pPr algn="ctr"/>
+              <a:endParaRPr lang="en-US" dirty="0"/>
+            </a:p>
+          </p:txBody>
+        </p:sp>
+        <p:sp>
+          <p:nvSpPr>
+            <p:cNvPr id="31" name="TextBox 30">
+              <a:extLst>
+                <a:ext uri="{FF2B5EF4-FFF2-40B4-BE49-F238E27FC236}">
+                  <a16:creationId xmlns:a16="http://schemas.microsoft.com/office/drawing/2014/main" id="{49295FFA-41D4-8E41-94CD-AE2BC9D0A60A}"/>
+                </a:ext>
+              </a:extLst>
+            </p:cNvPr>
+            <p:cNvSpPr txBox="1"/>
+            <p:nvPr/>
+          </p:nvSpPr>
+          <p:spPr>
+            <a:xfrm>
+              <a:off x="11154515" y="7162469"/>
+              <a:ext cx="4544833" cy="1200330"/>
+            </a:xfrm>
+            <a:prstGeom prst="rect">
+              <a:avLst/>
+            </a:prstGeom>
+            <a:noFill/>
+          </p:spPr>
+          <p:txBody>
+            <a:bodyPr wrap="none" rtlCol="0">
+              <a:spAutoFit/>
+            </a:bodyPr>
+            <a:lstStyle/>
+            <a:p>
+              <a:r>
+                <a:rPr lang="en-US" sz="7200" dirty="0">
+                  <a:latin typeface="Arial" panose="020B0604020202020204" pitchFamily="34" charset="0"/>
+                  <a:cs typeface="Arial" panose="020B0604020202020204" pitchFamily="34" charset="0"/>
+                </a:rPr>
+                <a:t>New users</a:t>
+              </a:r>
+            </a:p>
+          </p:txBody>
+        </p:sp>
+        <p:sp>
+          <p:nvSpPr>
+            <p:cNvPr id="53" name="Rectangle 52">
+              <a:extLst>
+                <a:ext uri="{FF2B5EF4-FFF2-40B4-BE49-F238E27FC236}">
+                  <a16:creationId xmlns:a16="http://schemas.microsoft.com/office/drawing/2014/main" id="{D5D611A0-B166-874C-803E-F51D3B4D758B}"/>
+                </a:ext>
+              </a:extLst>
+            </p:cNvPr>
+            <p:cNvSpPr/>
+            <p:nvPr/>
+          </p:nvSpPr>
+          <p:spPr>
+            <a:xfrm>
+              <a:off x="19983209" y="-632142"/>
+              <a:ext cx="7043818" cy="7060796"/>
+            </a:xfrm>
+            <a:prstGeom prst="rect">
+              <a:avLst/>
+            </a:prstGeom>
+            <a:solidFill>
+              <a:schemeClr val="accent6">
+                <a:lumMod val="20000"/>
+                <a:lumOff val="80000"/>
+              </a:schemeClr>
+            </a:solidFill>
+            <a:ln w="76200">
+              <a:solidFill>
+                <a:schemeClr val="tx1"/>
+              </a:solidFill>
+            </a:ln>
+          </p:spPr>
+          <p:style>
+            <a:lnRef idx="2">
+              <a:schemeClr val="accent1">
+                <a:shade val="50000"/>
+              </a:schemeClr>
+            </a:lnRef>
+            <a:fillRef idx="1">
+              <a:schemeClr val="accent1"/>
+            </a:fillRef>
+            <a:effectRef idx="0">
+              <a:schemeClr val="accent1"/>
+            </a:effectRef>
+            <a:fontRef idx="minor">
+              <a:schemeClr val="lt1"/>
+            </a:fontRef>
+          </p:style>
+          <p:txBody>
+            <a:bodyPr rtlCol="0" anchor="ctr"/>
+            <a:lstStyle/>
+            <a:p>
+              <a:pPr algn="ctr"/>
+              <a:endParaRPr lang="en-US" dirty="0"/>
+            </a:p>
+          </p:txBody>
+        </p:sp>
+        <p:sp>
+          <p:nvSpPr>
+            <p:cNvPr id="54" name="Rectangle 53">
+              <a:extLst>
+                <a:ext uri="{FF2B5EF4-FFF2-40B4-BE49-F238E27FC236}">
+                  <a16:creationId xmlns:a16="http://schemas.microsoft.com/office/drawing/2014/main" id="{C289DE32-326B-CC4B-8B9E-315F39DC4EC4}"/>
+                </a:ext>
+              </a:extLst>
+            </p:cNvPr>
+            <p:cNvSpPr/>
+            <p:nvPr/>
+          </p:nvSpPr>
+          <p:spPr>
+            <a:xfrm>
+              <a:off x="19983209" y="8657930"/>
+              <a:ext cx="7043818" cy="7060796"/>
+            </a:xfrm>
+            <a:prstGeom prst="rect">
+              <a:avLst/>
+            </a:prstGeom>
+            <a:solidFill>
+              <a:srgbClr val="FFA2A3"/>
+            </a:solidFill>
+            <a:ln w="76200">
+              <a:solidFill>
+                <a:schemeClr val="tx1"/>
+              </a:solidFill>
+            </a:ln>
+          </p:spPr>
+          <p:style>
+            <a:lnRef idx="2">
+              <a:schemeClr val="accent1">
+                <a:shade val="50000"/>
+              </a:schemeClr>
+            </a:lnRef>
+            <a:fillRef idx="1">
+              <a:schemeClr val="accent1"/>
+            </a:fillRef>
+            <a:effectRef idx="0">
+              <a:schemeClr val="accent1"/>
+            </a:effectRef>
+            <a:fontRef idx="minor">
+              <a:schemeClr val="lt1"/>
+            </a:fontRef>
+          </p:style>
+          <p:txBody>
+            <a:bodyPr rtlCol="0" anchor="ctr"/>
+            <a:lstStyle/>
+            <a:p>
+              <a:pPr algn="ctr"/>
+              <a:endParaRPr lang="en-US" dirty="0"/>
+            </a:p>
+          </p:txBody>
+        </p:sp>
+        <p:sp>
+          <p:nvSpPr>
+            <p:cNvPr id="55" name="TextBox 54">
+              <a:extLst>
+                <a:ext uri="{FF2B5EF4-FFF2-40B4-BE49-F238E27FC236}">
+                  <a16:creationId xmlns:a16="http://schemas.microsoft.com/office/drawing/2014/main" id="{8F5D184F-74A8-1643-A1C1-88C1D26DADD4}"/>
+                </a:ext>
+              </a:extLst>
+            </p:cNvPr>
+            <p:cNvSpPr txBox="1"/>
+            <p:nvPr/>
+          </p:nvSpPr>
+          <p:spPr>
+            <a:xfrm>
+              <a:off x="20735222" y="2359366"/>
+              <a:ext cx="5211683" cy="1200330"/>
+            </a:xfrm>
+            <a:prstGeom prst="rect">
+              <a:avLst/>
+            </a:prstGeom>
+            <a:noFill/>
+          </p:spPr>
+          <p:txBody>
+            <a:bodyPr wrap="none" rtlCol="0">
+              <a:spAutoFit/>
+            </a:bodyPr>
+            <a:lstStyle/>
+            <a:p>
+              <a:r>
+                <a:rPr lang="en-US" sz="7200" dirty="0">
+                  <a:latin typeface="Arial" panose="020B0604020202020204" pitchFamily="34" charset="0"/>
+                  <a:cs typeface="Arial" panose="020B0604020202020204" pitchFamily="34" charset="0"/>
+                </a:rPr>
+                <a:t>Active users</a:t>
+              </a:r>
+            </a:p>
+          </p:txBody>
+        </p:sp>
+        <p:sp>
+          <p:nvSpPr>
+            <p:cNvPr id="56" name="TextBox 55">
+              <a:extLst>
+                <a:ext uri="{FF2B5EF4-FFF2-40B4-BE49-F238E27FC236}">
+                  <a16:creationId xmlns:a16="http://schemas.microsoft.com/office/drawing/2014/main" id="{73CECD38-A4F3-FF4F-B7AB-A537AC280EBD}"/>
+                </a:ext>
+              </a:extLst>
+            </p:cNvPr>
+            <p:cNvSpPr txBox="1"/>
+            <p:nvPr/>
+          </p:nvSpPr>
+          <p:spPr>
+            <a:xfrm>
+              <a:off x="21139389" y="11649438"/>
+              <a:ext cx="4442242" cy="1200330"/>
+            </a:xfrm>
+            <a:prstGeom prst="rect">
+              <a:avLst/>
+            </a:prstGeom>
+            <a:noFill/>
+          </p:spPr>
+          <p:txBody>
+            <a:bodyPr wrap="none" rtlCol="0">
+              <a:spAutoFit/>
+            </a:bodyPr>
+            <a:lstStyle/>
+            <a:p>
+              <a:r>
+                <a:rPr lang="en-US" sz="7200" dirty="0">
+                  <a:latin typeface="Arial" panose="020B0604020202020204" pitchFamily="34" charset="0"/>
+                  <a:cs typeface="Arial" panose="020B0604020202020204" pitchFamily="34" charset="0"/>
+                </a:rPr>
+                <a:t>Lost users</a:t>
+              </a:r>
+            </a:p>
+          </p:txBody>
+        </p:sp>
+        <p:sp>
+          <p:nvSpPr>
+            <p:cNvPr id="57" name="TextBox 56">
+              <a:extLst>
+                <a:ext uri="{FF2B5EF4-FFF2-40B4-BE49-F238E27FC236}">
+                  <a16:creationId xmlns:a16="http://schemas.microsoft.com/office/drawing/2014/main" id="{0CFB220E-CB75-2B45-8C41-7394F5FE8EF1}"/>
+                </a:ext>
+              </a:extLst>
+            </p:cNvPr>
+            <p:cNvSpPr txBox="1"/>
+            <p:nvPr/>
+          </p:nvSpPr>
+          <p:spPr>
+            <a:xfrm>
+              <a:off x="15755950" y="1248582"/>
+              <a:ext cx="3179075" cy="1015663"/>
+            </a:xfrm>
+            <a:prstGeom prst="rect">
+              <a:avLst/>
+            </a:prstGeom>
+            <a:noFill/>
+          </p:spPr>
+          <p:txBody>
+            <a:bodyPr wrap="none" rtlCol="0">
+              <a:spAutoFit/>
+            </a:bodyPr>
+            <a:lstStyle/>
+            <a:p>
+              <a:r>
+                <a:rPr lang="en-US" sz="6000" i="1" dirty="0">
+                  <a:latin typeface="Arial" panose="020B0604020202020204" pitchFamily="34" charset="0"/>
+                  <a:cs typeface="Arial" panose="020B0604020202020204" pitchFamily="34" charset="0"/>
+                </a:rPr>
+                <a:t>retention</a:t>
+              </a:r>
+            </a:p>
+          </p:txBody>
+        </p:sp>
+        <p:cxnSp>
+          <p:nvCxnSpPr>
+            <p:cNvPr id="58" name="Straight Arrow Connector 57">
+              <a:extLst>
+                <a:ext uri="{FF2B5EF4-FFF2-40B4-BE49-F238E27FC236}">
+                  <a16:creationId xmlns:a16="http://schemas.microsoft.com/office/drawing/2014/main" id="{8C85E011-DFE6-074C-AB02-B1DF5B40B4CF}"/>
+                </a:ext>
+              </a:extLst>
+            </p:cNvPr>
+            <p:cNvCxnSpPr>
+              <a:cxnSpLocks/>
+            </p:cNvCxnSpPr>
+            <p:nvPr/>
+          </p:nvCxnSpPr>
+          <p:spPr>
+            <a:xfrm flipV="1">
+              <a:off x="17633826" y="2731190"/>
+              <a:ext cx="1608825" cy="921167"/>
+            </a:xfrm>
+            <a:prstGeom prst="straightConnector1">
+              <a:avLst/>
+            </a:prstGeom>
+            <a:ln w="111125">
+              <a:solidFill>
+                <a:schemeClr val="tx1"/>
+              </a:solidFill>
+              <a:headEnd w="lg" len="lg"/>
+              <a:tailEnd type="triangle" w="lg" len="lg"/>
+            </a:ln>
+          </p:spPr>
+          <p:style>
+            <a:lnRef idx="1">
+              <a:schemeClr val="accent1"/>
+            </a:lnRef>
+            <a:fillRef idx="0">
+              <a:schemeClr val="accent1"/>
+            </a:fillRef>
+            <a:effectRef idx="0">
+              <a:schemeClr val="accent1"/>
+            </a:effectRef>
+            <a:fontRef idx="minor">
+              <a:schemeClr val="tx1"/>
+            </a:fontRef>
+          </p:style>
+        </p:cxnSp>
+        <p:sp>
+          <p:nvSpPr>
+            <p:cNvPr id="59" name="TextBox 58">
+              <a:extLst>
+                <a:ext uri="{FF2B5EF4-FFF2-40B4-BE49-F238E27FC236}">
+                  <a16:creationId xmlns:a16="http://schemas.microsoft.com/office/drawing/2014/main" id="{0DDD89AD-7D55-FD45-8C03-6EA1929B1CE4}"/>
+                </a:ext>
+              </a:extLst>
+            </p:cNvPr>
+            <p:cNvSpPr txBox="1"/>
+            <p:nvPr/>
+          </p:nvSpPr>
+          <p:spPr>
+            <a:xfrm>
+              <a:off x="16175836" y="12727218"/>
+              <a:ext cx="2366352" cy="1938992"/>
+            </a:xfrm>
+            <a:prstGeom prst="rect">
+              <a:avLst/>
+            </a:prstGeom>
+            <a:noFill/>
+          </p:spPr>
+          <p:txBody>
+            <a:bodyPr wrap="none" rtlCol="0">
+              <a:spAutoFit/>
+            </a:bodyPr>
+            <a:lstStyle/>
+            <a:p>
+              <a:r>
+                <a:rPr lang="en-US" sz="6000" i="1" dirty="0">
+                  <a:latin typeface="Arial" panose="020B0604020202020204" pitchFamily="34" charset="0"/>
+                  <a:cs typeface="Arial" panose="020B0604020202020204" pitchFamily="34" charset="0"/>
+                </a:rPr>
+                <a:t>churn </a:t>
+              </a:r>
+              <a:br>
+                <a:rPr lang="en-US" sz="6000" i="1" dirty="0">
+                  <a:latin typeface="Arial" panose="020B0604020202020204" pitchFamily="34" charset="0"/>
+                  <a:cs typeface="Arial" panose="020B0604020202020204" pitchFamily="34" charset="0"/>
+                </a:rPr>
+              </a:br>
+              <a:r>
+                <a:rPr lang="en-US" sz="6000" i="1" dirty="0">
+                  <a:latin typeface="Arial" panose="020B0604020202020204" pitchFamily="34" charset="0"/>
+                  <a:cs typeface="Arial" panose="020B0604020202020204" pitchFamily="34" charset="0"/>
+                </a:rPr>
+                <a:t>(early)</a:t>
+              </a:r>
+            </a:p>
+          </p:txBody>
+        </p:sp>
+        <p:cxnSp>
+          <p:nvCxnSpPr>
+            <p:cNvPr id="60" name="Straight Arrow Connector 59">
+              <a:extLst>
+                <a:ext uri="{FF2B5EF4-FFF2-40B4-BE49-F238E27FC236}">
+                  <a16:creationId xmlns:a16="http://schemas.microsoft.com/office/drawing/2014/main" id="{D7133F4E-442E-7640-A246-08DBBB3F1B35}"/>
+                </a:ext>
+              </a:extLst>
+            </p:cNvPr>
+            <p:cNvCxnSpPr>
+              <a:cxnSpLocks/>
+            </p:cNvCxnSpPr>
+            <p:nvPr/>
+          </p:nvCxnSpPr>
+          <p:spPr>
+            <a:xfrm>
+              <a:off x="17575218" y="11841141"/>
+              <a:ext cx="1608825" cy="921167"/>
+            </a:xfrm>
+            <a:prstGeom prst="straightConnector1">
+              <a:avLst/>
+            </a:prstGeom>
+            <a:ln w="111125">
+              <a:solidFill>
+                <a:schemeClr val="tx1"/>
+              </a:solidFill>
+              <a:headEnd w="lg" len="lg"/>
+              <a:tailEnd type="triangle" w="lg" len="lg"/>
+            </a:ln>
+          </p:spPr>
+          <p:style>
+            <a:lnRef idx="1">
+              <a:schemeClr val="accent1"/>
+            </a:lnRef>
+            <a:fillRef idx="0">
+              <a:schemeClr val="accent1"/>
+            </a:fillRef>
+            <a:effectRef idx="0">
+              <a:schemeClr val="accent1"/>
+            </a:effectRef>
+            <a:fontRef idx="minor">
+              <a:schemeClr val="tx1"/>
+            </a:fontRef>
+          </p:style>
+        </p:cxnSp>
+        <p:sp>
+          <p:nvSpPr>
+            <p:cNvPr id="61" name="TextBox 60">
+              <a:extLst>
+                <a:ext uri="{FF2B5EF4-FFF2-40B4-BE49-F238E27FC236}">
+                  <a16:creationId xmlns:a16="http://schemas.microsoft.com/office/drawing/2014/main" id="{C41FBDB1-6D67-594E-8E8B-1982D0BF7B43}"/>
+                </a:ext>
+              </a:extLst>
+            </p:cNvPr>
+            <p:cNvSpPr txBox="1"/>
+            <p:nvPr/>
+          </p:nvSpPr>
+          <p:spPr>
+            <a:xfrm>
+              <a:off x="23570028" y="7016803"/>
+              <a:ext cx="4248279" cy="1015663"/>
+            </a:xfrm>
+            <a:prstGeom prst="rect">
+              <a:avLst/>
+            </a:prstGeom>
+            <a:noFill/>
+          </p:spPr>
+          <p:txBody>
+            <a:bodyPr wrap="none" rtlCol="0">
+              <a:spAutoFit/>
+            </a:bodyPr>
+            <a:lstStyle/>
+            <a:p>
+              <a:r>
+                <a:rPr lang="en-US" sz="6000" i="1" dirty="0">
+                  <a:latin typeface="Arial" panose="020B0604020202020204" pitchFamily="34" charset="0"/>
+                  <a:cs typeface="Arial" panose="020B0604020202020204" pitchFamily="34" charset="0"/>
+                </a:rPr>
+                <a:t>resurrection</a:t>
+              </a:r>
+            </a:p>
+          </p:txBody>
+        </p:sp>
+        <p:cxnSp>
+          <p:nvCxnSpPr>
+            <p:cNvPr id="62" name="Straight Arrow Connector 61">
+              <a:extLst>
+                <a:ext uri="{FF2B5EF4-FFF2-40B4-BE49-F238E27FC236}">
+                  <a16:creationId xmlns:a16="http://schemas.microsoft.com/office/drawing/2014/main" id="{28923976-4B2D-CD43-A0DB-CDC7FEFB87B2}"/>
+                </a:ext>
+              </a:extLst>
+            </p:cNvPr>
+            <p:cNvCxnSpPr>
+              <a:cxnSpLocks/>
+            </p:cNvCxnSpPr>
+            <p:nvPr/>
+          </p:nvCxnSpPr>
+          <p:spPr>
+            <a:xfrm flipV="1">
+              <a:off x="23102090" y="6741700"/>
+              <a:ext cx="0" cy="1498650"/>
+            </a:xfrm>
+            <a:prstGeom prst="straightConnector1">
+              <a:avLst/>
+            </a:prstGeom>
+            <a:ln w="111125">
+              <a:solidFill>
+                <a:schemeClr val="tx1"/>
+              </a:solidFill>
+              <a:headEnd w="lg" len="lg"/>
+              <a:tailEnd type="triangle" w="lg" len="lg"/>
+            </a:ln>
+          </p:spPr>
+          <p:style>
+            <a:lnRef idx="1">
+              <a:schemeClr val="accent1"/>
+            </a:lnRef>
+            <a:fillRef idx="0">
+              <a:schemeClr val="accent1"/>
+            </a:fillRef>
+            <a:effectRef idx="0">
+              <a:schemeClr val="accent1"/>
+            </a:effectRef>
+            <a:fontRef idx="minor">
+              <a:schemeClr val="tx1"/>
+            </a:fontRef>
+          </p:style>
+        </p:cxnSp>
+        <p:cxnSp>
+          <p:nvCxnSpPr>
+            <p:cNvPr id="63" name="Straight Arrow Connector 62">
+              <a:extLst>
+                <a:ext uri="{FF2B5EF4-FFF2-40B4-BE49-F238E27FC236}">
+                  <a16:creationId xmlns:a16="http://schemas.microsoft.com/office/drawing/2014/main" id="{4DE7E29A-337D-BF47-BE4A-2516C503211A}"/>
+                </a:ext>
+              </a:extLst>
+            </p:cNvPr>
+            <p:cNvCxnSpPr>
+              <a:cxnSpLocks/>
+            </p:cNvCxnSpPr>
+            <p:nvPr/>
+          </p:nvCxnSpPr>
+          <p:spPr>
+            <a:xfrm>
+              <a:off x="22642063" y="6861543"/>
+              <a:ext cx="0" cy="1498650"/>
+            </a:xfrm>
+            <a:prstGeom prst="straightConnector1">
+              <a:avLst/>
+            </a:prstGeom>
+            <a:ln w="111125">
+              <a:solidFill>
+                <a:schemeClr val="tx1"/>
+              </a:solidFill>
+              <a:headEnd w="lg" len="lg"/>
+              <a:tailEnd type="triangle" w="lg" len="lg"/>
+            </a:ln>
+          </p:spPr>
+          <p:style>
+            <a:lnRef idx="1">
+              <a:schemeClr val="accent1"/>
+            </a:lnRef>
+            <a:fillRef idx="0">
+              <a:schemeClr val="accent1"/>
+            </a:fillRef>
+            <a:effectRef idx="0">
+              <a:schemeClr val="accent1"/>
+            </a:effectRef>
+            <a:fontRef idx="minor">
+              <a:schemeClr val="tx1"/>
+            </a:fontRef>
+          </p:style>
+        </p:cxnSp>
+        <p:sp>
+          <p:nvSpPr>
+            <p:cNvPr id="64" name="TextBox 63">
+              <a:extLst>
+                <a:ext uri="{FF2B5EF4-FFF2-40B4-BE49-F238E27FC236}">
+                  <a16:creationId xmlns:a16="http://schemas.microsoft.com/office/drawing/2014/main" id="{4490A225-F80E-BD43-8578-6BAC0BC8A0E4}"/>
+                </a:ext>
+              </a:extLst>
+            </p:cNvPr>
+            <p:cNvSpPr txBox="1"/>
+            <p:nvPr/>
+          </p:nvSpPr>
+          <p:spPr>
+            <a:xfrm>
+              <a:off x="17926864" y="7016801"/>
+              <a:ext cx="4076757" cy="1015663"/>
+            </a:xfrm>
+            <a:prstGeom prst="rect">
+              <a:avLst/>
+            </a:prstGeom>
+            <a:noFill/>
+          </p:spPr>
+          <p:txBody>
+            <a:bodyPr wrap="none" rtlCol="0">
+              <a:spAutoFit/>
+            </a:bodyPr>
+            <a:lstStyle/>
+            <a:p>
+              <a:r>
+                <a:rPr lang="en-US" sz="6000" i="1" dirty="0">
+                  <a:latin typeface="Arial" panose="020B0604020202020204" pitchFamily="34" charset="0"/>
+                  <a:cs typeface="Arial" panose="020B0604020202020204" pitchFamily="34" charset="0"/>
+                </a:rPr>
+                <a:t>churn (late)</a:t>
+              </a:r>
+            </a:p>
+          </p:txBody>
+        </p:sp>
+        <p:sp>
+          <p:nvSpPr>
+            <p:cNvPr id="86" name="Rectangle 85">
+              <a:extLst>
+                <a:ext uri="{FF2B5EF4-FFF2-40B4-BE49-F238E27FC236}">
+                  <a16:creationId xmlns:a16="http://schemas.microsoft.com/office/drawing/2014/main" id="{4BEC3220-C26E-E54F-9E7D-A54F99B0418C}"/>
+                </a:ext>
+              </a:extLst>
+            </p:cNvPr>
+            <p:cNvSpPr/>
+            <p:nvPr/>
+          </p:nvSpPr>
+          <p:spPr>
+            <a:xfrm>
+              <a:off x="10446505" y="-1869920"/>
+              <a:ext cx="429601" cy="398918"/>
+            </a:xfrm>
+            <a:prstGeom prst="rect">
+              <a:avLst/>
+            </a:prstGeom>
+            <a:solidFill>
+              <a:schemeClr val="accent4">
+                <a:lumMod val="20000"/>
+                <a:lumOff val="80000"/>
+              </a:schemeClr>
+            </a:solidFill>
+            <a:ln w="76200">
+              <a:noFill/>
+            </a:ln>
+          </p:spPr>
+          <p:style>
+            <a:lnRef idx="2">
+              <a:schemeClr val="accent1">
+                <a:shade val="50000"/>
+              </a:schemeClr>
+            </a:lnRef>
+            <a:fillRef idx="1">
+              <a:schemeClr val="accent1"/>
+            </a:fillRef>
+            <a:effectRef idx="0">
+              <a:schemeClr val="accent1"/>
+            </a:effectRef>
+            <a:fontRef idx="minor">
+              <a:schemeClr val="lt1"/>
+            </a:fontRef>
+          </p:style>
+          <p:txBody>
+            <a:bodyPr rtlCol="0" anchor="ctr"/>
+            <a:lstStyle/>
+            <a:p>
+              <a:pPr algn="ctr"/>
+              <a:endParaRPr lang="en-US" dirty="0"/>
+            </a:p>
+          </p:txBody>
+        </p:sp>
+        <p:cxnSp>
+          <p:nvCxnSpPr>
+            <p:cNvPr id="28" name="Straight Arrow Connector 27">
+              <a:extLst>
+                <a:ext uri="{FF2B5EF4-FFF2-40B4-BE49-F238E27FC236}">
+                  <a16:creationId xmlns:a16="http://schemas.microsoft.com/office/drawing/2014/main" id="{A0B81E73-1A6D-0542-9677-FF7142CB5850}"/>
+                </a:ext>
+              </a:extLst>
+            </p:cNvPr>
+            <p:cNvCxnSpPr>
+              <a:cxnSpLocks/>
+            </p:cNvCxnSpPr>
+            <p:nvPr/>
+          </p:nvCxnSpPr>
+          <p:spPr>
+            <a:xfrm>
+              <a:off x="10661306" y="-2481943"/>
+              <a:ext cx="0" cy="6134300"/>
+            </a:xfrm>
+            <a:prstGeom prst="straightConnector1">
+              <a:avLst/>
+            </a:prstGeom>
+            <a:ln w="111125">
+              <a:solidFill>
+                <a:schemeClr val="tx1"/>
+              </a:solidFill>
+              <a:headEnd w="lg" len="lg"/>
+              <a:tailEnd type="triangle" w="lg" len="lg"/>
+            </a:ln>
+          </p:spPr>
+          <p:style>
+            <a:lnRef idx="1">
+              <a:schemeClr val="accent1"/>
+            </a:lnRef>
+            <a:fillRef idx="0">
+              <a:schemeClr val="accent1"/>
+            </a:fillRef>
+            <a:effectRef idx="0">
+              <a:schemeClr val="accent1"/>
+            </a:effectRef>
+            <a:fontRef idx="minor">
+              <a:schemeClr val="tx1"/>
+            </a:fontRef>
+          </p:style>
+        </p:cxnSp>
       </p:grpSp>
     </p:spTree>
     <p:extLst>
